--- a/template.pptx
+++ b/template.pptx
@@ -1519,7 +1519,7 @@
           <a:p>
             <a:fld id="{CE60F759-2DB9-45EC-93E5-4C9B94ABF359}" type="datetimeFigureOut">
               <a:rPr lang="en-US" smtClean="0"/>
-              <a:t>3/5/2022</a:t>
+              <a:t>3/6/2022</a:t>
             </a:fld>
             <a:endParaRPr lang="en-US"/>
           </a:p>
@@ -2973,7 +2973,7 @@
           <a:p>
             <a:fld id="{CE60F759-2DB9-45EC-93E5-4C9B94ABF359}" type="datetimeFigureOut">
               <a:rPr lang="en-US" smtClean="0"/>
-              <a:t>3/5/2022</a:t>
+              <a:t>3/6/2022</a:t>
             </a:fld>
             <a:endParaRPr lang="en-US"/>
           </a:p>
@@ -4361,7 +4361,7 @@
           <a:p>
             <a:fld id="{CE60F759-2DB9-45EC-93E5-4C9B94ABF359}" type="datetimeFigureOut">
               <a:rPr lang="en-US" smtClean="0"/>
-              <a:t>3/5/2022</a:t>
+              <a:t>3/6/2022</a:t>
             </a:fld>
             <a:endParaRPr lang="en-US"/>
           </a:p>
@@ -5764,7 +5764,7 @@
           <a:p>
             <a:fld id="{CE60F759-2DB9-45EC-93E5-4C9B94ABF359}" type="datetimeFigureOut">
               <a:rPr lang="en-US" smtClean="0"/>
-              <a:t>3/5/2022</a:t>
+              <a:t>3/6/2022</a:t>
             </a:fld>
             <a:endParaRPr lang="en-US"/>
           </a:p>
@@ -5826,7 +5826,7 @@
 </file>
 
 <file path=ppt/slideLayouts/slideLayout5.xml><?xml version="1.0" encoding="utf-8"?>
-<p:sldLayout xmlns:a="http://schemas.openxmlformats.org/drawingml/2006/main" xmlns:r="http://schemas.openxmlformats.org/officeDocument/2006/relationships" xmlns:p="http://schemas.openxmlformats.org/presentationml/2006/main" type="obj" preserve="1">
+<p:sldLayout xmlns:a="http://schemas.openxmlformats.org/drawingml/2006/main" xmlns:r="http://schemas.openxmlformats.org/officeDocument/2006/relationships" xmlns:p="http://schemas.openxmlformats.org/presentationml/2006/main" preserve="1" userDrawn="1">
   <p:cSld name="Review">
     <p:spTree>
       <p:nvGrpSpPr>
@@ -6920,7 +6920,7 @@
           <p:nvSpPr>
             <p:cNvPr id="101" name="Freeform 25"/>
             <p:cNvSpPr/>
-            <p:nvPr/>
+            <p:nvPr userDrawn="1"/>
           </p:nvSpPr>
           <p:spPr bwMode="auto">
             <a:xfrm>
@@ -7138,46 +7138,38 @@
       </p:sp>
       <p:sp>
         <p:nvSpPr>
-          <p:cNvPr id="3" name="Content Placeholder 2"/>
+          <p:cNvPr id="5" name="Content Placeholder 4">
+            <a:extLst>
+              <a:ext uri="{FF2B5EF4-FFF2-40B4-BE49-F238E27FC236}">
+                <a16:creationId xmlns:a16="http://schemas.microsoft.com/office/drawing/2014/main" id="{9C143A25-4028-4D17-B80D-F98572EBAFC3}"/>
+              </a:ext>
+            </a:extLst>
+          </p:cNvPr>
           <p:cNvSpPr>
             <a:spLocks noGrp="1"/>
           </p:cNvSpPr>
           <p:nvPr>
-            <p:ph idx="1" hasCustomPrompt="1"/>
+            <p:ph sz="quarter" idx="10" hasCustomPrompt="1"/>
           </p:nvPr>
         </p:nvSpPr>
         <p:spPr>
           <a:xfrm>
-            <a:off x="1747538" y="722349"/>
+            <a:off x="1751646" y="722349"/>
             <a:ext cx="2834640" cy="914400"/>
           </a:xfrm>
         </p:spPr>
         <p:txBody>
-          <a:bodyPr anchor="ctr">
-            <a:normAutofit/>
-          </a:bodyPr>
+          <a:bodyPr/>
           <a:lstStyle>
             <a:lvl1pPr>
               <a:defRPr sz="4400"/>
             </a:lvl1pPr>
-            <a:lvl2pPr>
-              <a:defRPr sz="2200"/>
-            </a:lvl2pPr>
-            <a:lvl3pPr>
-              <a:defRPr sz="2000"/>
-            </a:lvl3pPr>
-            <a:lvl4pPr>
-              <a:defRPr sz="1800"/>
-            </a:lvl4pPr>
-            <a:lvl5pPr>
-              <a:defRPr sz="1800"/>
-            </a:lvl5pPr>
           </a:lstStyle>
           <a:p>
             <a:pPr lvl="0"/>
             <a:r>
               <a:rPr lang="en-US" dirty="0"/>
-              <a:t>Track #</a:t>
+              <a:t> Track #</a:t>
             </a:r>
           </a:p>
         </p:txBody>
@@ -8577,7 +8569,7 @@
           <a:p>
             <a:fld id="{CE60F759-2DB9-45EC-93E5-4C9B94ABF359}" type="datetimeFigureOut">
               <a:rPr lang="en-US" smtClean="0"/>
-              <a:t>3/5/2022</a:t>
+              <a:t>3/6/2022</a:t>
             </a:fld>
             <a:endParaRPr lang="en-US"/>
           </a:p>
@@ -8806,7 +8798,7 @@
           <a:p>
             <a:fld id="{CE60F759-2DB9-45EC-93E5-4C9B94ABF359}" type="datetimeFigureOut">
               <a:rPr lang="en-US" smtClean="0"/>
-              <a:t>3/5/2022</a:t>
+              <a:t>3/6/2022</a:t>
             </a:fld>
             <a:endParaRPr lang="en-US"/>
           </a:p>
